--- a/修論/本文0117/figure/fig_3_1_w_prime.pptx
+++ b/修論/本文0117/figure/fig_3_1_w_prime.pptx
@@ -5,12 +5,15 @@
     <p:sldMasterId id="2147483648" r:id="rId1"/>
   </p:sldMasterIdLst>
   <p:notesMasterIdLst>
-    <p:notesMasterId r:id="rId5"/>
+    <p:notesMasterId r:id="rId8"/>
   </p:notesMasterIdLst>
   <p:sldIdLst>
     <p:sldId id="256" r:id="rId2"/>
     <p:sldId id="257" r:id="rId3"/>
     <p:sldId id="258" r:id="rId4"/>
+    <p:sldId id="259" r:id="rId5"/>
+    <p:sldId id="260" r:id="rId6"/>
+    <p:sldId id="261" r:id="rId7"/>
   </p:sldIdLst>
   <p:sldSz cx="9144000" cy="6858000" type="screen4x3"/>
   <p:notesSz cx="6735763" cy="9869488"/>
@@ -199,7 +202,7 @@
           <a:p>
             <a:fld id="{89EB5C82-AEC6-4FE6-8043-B4F61A8A44F1}" type="datetimeFigureOut">
               <a:rPr kumimoji="1" lang="ja-JP" altLang="en-US" smtClean="0"/>
-              <a:t>2019/1/26</a:t>
+              <a:t>2019/1/29</a:t>
             </a:fld>
             <a:endParaRPr kumimoji="1" lang="ja-JP" altLang="en-US"/>
           </a:p>
@@ -627,7 +630,7 @@
           <a:p>
             <a:fld id="{1A07417B-165A-4DCF-9553-23C07ABDE8BF}" type="datetime1">
               <a:rPr kumimoji="1" lang="ja-JP" altLang="en-US" smtClean="0"/>
-              <a:t>2019/1/26</a:t>
+              <a:t>2019/1/29</a:t>
             </a:fld>
             <a:endParaRPr kumimoji="1" lang="ja-JP" altLang="en-US"/>
           </a:p>
@@ -827,7 +830,7 @@
           <a:p>
             <a:fld id="{5F49FB31-C5C7-4B82-9E07-4EEBA70644B5}" type="datetime1">
               <a:rPr kumimoji="1" lang="ja-JP" altLang="en-US" smtClean="0"/>
-              <a:t>2019/1/26</a:t>
+              <a:t>2019/1/29</a:t>
             </a:fld>
             <a:endParaRPr kumimoji="1" lang="ja-JP" altLang="en-US"/>
           </a:p>
@@ -1037,7 +1040,7 @@
           <a:p>
             <a:fld id="{8889D364-F9EE-4DF6-A2F2-A4C419A4C37F}" type="datetime1">
               <a:rPr kumimoji="1" lang="ja-JP" altLang="en-US" smtClean="0"/>
-              <a:t>2019/1/26</a:t>
+              <a:t>2019/1/29</a:t>
             </a:fld>
             <a:endParaRPr kumimoji="1" lang="ja-JP" altLang="en-US"/>
           </a:p>
@@ -1247,7 +1250,7 @@
           <a:p>
             <a:fld id="{A1231B2E-EC4D-405E-BD66-51B1FB74ADC5}" type="datetime1">
               <a:rPr kumimoji="1" lang="ja-JP" altLang="en-US" smtClean="0"/>
-              <a:t>2019/1/26</a:t>
+              <a:t>2019/1/29</a:t>
             </a:fld>
             <a:endParaRPr kumimoji="1" lang="ja-JP" altLang="en-US"/>
           </a:p>
@@ -1492,7 +1495,7 @@
           <a:p>
             <a:fld id="{2C8BC571-661A-4B57-BB04-1AEC8E64FC37}" type="datetime1">
               <a:rPr kumimoji="1" lang="ja-JP" altLang="en-US" smtClean="0"/>
-              <a:t>2019/1/26</a:t>
+              <a:t>2019/1/29</a:t>
             </a:fld>
             <a:endParaRPr kumimoji="1" lang="ja-JP" altLang="en-US"/>
           </a:p>
@@ -1786,7 +1789,7 @@
           <a:p>
             <a:fld id="{284E353B-4A11-4114-BE3E-7E98B266C08A}" type="datetime1">
               <a:rPr kumimoji="1" lang="ja-JP" altLang="en-US" smtClean="0"/>
-              <a:t>2019/1/26</a:t>
+              <a:t>2019/1/29</a:t>
             </a:fld>
             <a:endParaRPr kumimoji="1" lang="ja-JP" altLang="en-US"/>
           </a:p>
@@ -2214,7 +2217,7 @@
           <a:p>
             <a:fld id="{808964D2-E5C1-41F8-8E37-7B0EBA472178}" type="datetime1">
               <a:rPr kumimoji="1" lang="ja-JP" altLang="en-US" smtClean="0"/>
-              <a:t>2019/1/26</a:t>
+              <a:t>2019/1/29</a:t>
             </a:fld>
             <a:endParaRPr kumimoji="1" lang="ja-JP" altLang="en-US"/>
           </a:p>
@@ -2331,7 +2334,7 @@
           <a:p>
             <a:fld id="{4B875656-4F4D-4F02-97D2-FC9F0E4F8368}" type="datetime1">
               <a:rPr kumimoji="1" lang="ja-JP" altLang="en-US" smtClean="0"/>
-              <a:t>2019/1/26</a:t>
+              <a:t>2019/1/29</a:t>
             </a:fld>
             <a:endParaRPr kumimoji="1" lang="ja-JP" altLang="en-US"/>
           </a:p>
@@ -2426,7 +2429,7 @@
           <a:p>
             <a:fld id="{70D4612A-A498-4280-8EC8-C137A91BA00E}" type="datetime1">
               <a:rPr kumimoji="1" lang="ja-JP" altLang="en-US" smtClean="0"/>
-              <a:t>2019/1/26</a:t>
+              <a:t>2019/1/29</a:t>
             </a:fld>
             <a:endParaRPr kumimoji="1" lang="ja-JP" altLang="en-US"/>
           </a:p>
@@ -2733,7 +2736,7 @@
           <a:p>
             <a:fld id="{7E544A3A-F8B4-46B6-A7F4-BA104F47089F}" type="datetime1">
               <a:rPr kumimoji="1" lang="ja-JP" altLang="en-US" smtClean="0"/>
-              <a:t>2019/1/26</a:t>
+              <a:t>2019/1/29</a:t>
             </a:fld>
             <a:endParaRPr kumimoji="1" lang="ja-JP" altLang="en-US"/>
           </a:p>
@@ -2988,7 +2991,7 @@
           <a:p>
             <a:fld id="{5C61A693-3EB2-40E5-944F-A15C15D15CE8}" type="datetime1">
               <a:rPr kumimoji="1" lang="ja-JP" altLang="en-US" smtClean="0"/>
-              <a:t>2019/1/26</a:t>
+              <a:t>2019/1/29</a:t>
             </a:fld>
             <a:endParaRPr kumimoji="1" lang="ja-JP" altLang="en-US"/>
           </a:p>
@@ -3231,7 +3234,7 @@
           <a:p>
             <a:fld id="{54F798B4-40B9-4467-83D0-F475F97608DD}" type="datetime1">
               <a:rPr kumimoji="1" lang="ja-JP" altLang="en-US" smtClean="0"/>
-              <a:t>2019/1/26</a:t>
+              <a:t>2019/1/29</a:t>
             </a:fld>
             <a:endParaRPr kumimoji="1" lang="ja-JP" altLang="en-US"/>
           </a:p>
@@ -4764,6 +4767,584 @@
 </p:sld>
 </file>
 
+<file path=ppt/slides/slide4.xml><?xml version="1.0" encoding="utf-8"?>
+<p:sld xmlns:a="http://schemas.openxmlformats.org/drawingml/2006/main" xmlns:r="http://schemas.openxmlformats.org/officeDocument/2006/relationships" xmlns:p="http://schemas.openxmlformats.org/presentationml/2006/main">
+  <p:cSld>
+    <p:spTree>
+      <p:nvGrpSpPr>
+        <p:cNvPr id="1" name=""/>
+        <p:cNvGrpSpPr/>
+        <p:nvPr/>
+      </p:nvGrpSpPr>
+      <p:grpSpPr>
+        <a:xfrm>
+          <a:off x="0" y="0"/>
+          <a:ext cx="0" cy="0"/>
+          <a:chOff x="0" y="0"/>
+          <a:chExt cx="0" cy="0"/>
+        </a:xfrm>
+      </p:grpSpPr>
+      <p:pic>
+        <p:nvPicPr>
+          <p:cNvPr id="5" name="図 4">
+            <a:extLst>
+              <a:ext uri="{FF2B5EF4-FFF2-40B4-BE49-F238E27FC236}">
+                <a16:creationId xmlns:a16="http://schemas.microsoft.com/office/drawing/2014/main" id="{B9B9E54F-FE57-4736-A7F0-75F46122F946}"/>
+              </a:ext>
+            </a:extLst>
+          </p:cNvPr>
+          <p:cNvPicPr>
+            <a:picLocks noChangeAspect="1"/>
+          </p:cNvPicPr>
+          <p:nvPr/>
+        </p:nvPicPr>
+        <p:blipFill>
+          <a:blip r:embed="rId2"/>
+          <a:stretch>
+            <a:fillRect/>
+          </a:stretch>
+        </p:blipFill>
+        <p:spPr>
+          <a:xfrm>
+            <a:off x="56147" y="1659790"/>
+            <a:ext cx="4851893" cy="3551187"/>
+          </a:xfrm>
+          <a:prstGeom prst="rect">
+            <a:avLst/>
+          </a:prstGeom>
+        </p:spPr>
+      </p:pic>
+      <p:pic>
+        <p:nvPicPr>
+          <p:cNvPr id="6" name="図 5">
+            <a:extLst>
+              <a:ext uri="{FF2B5EF4-FFF2-40B4-BE49-F238E27FC236}">
+                <a16:creationId xmlns:a16="http://schemas.microsoft.com/office/drawing/2014/main" id="{56FE82D4-2764-4F60-96DB-B44F06A7430F}"/>
+              </a:ext>
+            </a:extLst>
+          </p:cNvPr>
+          <p:cNvPicPr>
+            <a:picLocks noChangeAspect="1"/>
+          </p:cNvPicPr>
+          <p:nvPr/>
+        </p:nvPicPr>
+        <p:blipFill>
+          <a:blip r:embed="rId3"/>
+          <a:stretch>
+            <a:fillRect/>
+          </a:stretch>
+        </p:blipFill>
+        <p:spPr>
+          <a:xfrm>
+            <a:off x="4572000" y="1659790"/>
+            <a:ext cx="4877815" cy="3551187"/>
+          </a:xfrm>
+          <a:prstGeom prst="rect">
+            <a:avLst/>
+          </a:prstGeom>
+        </p:spPr>
+      </p:pic>
+      <p:sp>
+        <p:nvSpPr>
+          <p:cNvPr id="2" name="テキスト ボックス 1">
+            <a:extLst>
+              <a:ext uri="{FF2B5EF4-FFF2-40B4-BE49-F238E27FC236}">
+                <a16:creationId xmlns:a16="http://schemas.microsoft.com/office/drawing/2014/main" id="{D7142BAC-2EA1-4178-84A3-82AFEF759DA0}"/>
+              </a:ext>
+            </a:extLst>
+          </p:cNvPr>
+          <p:cNvSpPr txBox="1"/>
+          <p:nvPr/>
+        </p:nvSpPr>
+        <p:spPr>
+          <a:xfrm>
+            <a:off x="112295" y="1403684"/>
+            <a:ext cx="2534653" cy="369332"/>
+          </a:xfrm>
+          <a:prstGeom prst="rect">
+            <a:avLst/>
+          </a:prstGeom>
+          <a:noFill/>
+        </p:spPr>
+        <p:txBody>
+          <a:bodyPr wrap="square" rtlCol="0">
+            <a:spAutoFit/>
+          </a:bodyPr>
+          <a:lstStyle/>
+          <a:p>
+            <a:r>
+              <a:rPr kumimoji="1" lang="en-US" altLang="ja-JP" dirty="0"/>
+              <a:t>(a)</a:t>
+            </a:r>
+            <a:r>
+              <a:rPr kumimoji="1" lang="ja-JP" altLang="en-US" dirty="0"/>
+              <a:t>　</a:t>
+            </a:r>
+            <a:r>
+              <a:rPr kumimoji="1" lang="en-US" altLang="ja-JP" dirty="0"/>
+              <a:t>3</a:t>
+            </a:r>
+            <a:r>
+              <a:rPr kumimoji="1" lang="ja-JP" altLang="en-US" dirty="0"/>
+              <a:t>周期歪量子井戸</a:t>
+            </a:r>
+          </a:p>
+        </p:txBody>
+      </p:sp>
+      <p:sp>
+        <p:nvSpPr>
+          <p:cNvPr id="7" name="テキスト ボックス 6">
+            <a:extLst>
+              <a:ext uri="{FF2B5EF4-FFF2-40B4-BE49-F238E27FC236}">
+                <a16:creationId xmlns:a16="http://schemas.microsoft.com/office/drawing/2014/main" id="{1425A6D1-FFEA-4CE4-A6E6-6B59D8110E57}"/>
+              </a:ext>
+            </a:extLst>
+          </p:cNvPr>
+          <p:cNvSpPr txBox="1"/>
+          <p:nvPr/>
+        </p:nvSpPr>
+        <p:spPr>
+          <a:xfrm>
+            <a:off x="4644274" y="1403684"/>
+            <a:ext cx="4138779" cy="369332"/>
+          </a:xfrm>
+          <a:prstGeom prst="rect">
+            <a:avLst/>
+          </a:prstGeom>
+          <a:noFill/>
+        </p:spPr>
+        <p:txBody>
+          <a:bodyPr wrap="square" rtlCol="0">
+            <a:spAutoFit/>
+          </a:bodyPr>
+          <a:lstStyle/>
+          <a:p>
+            <a:r>
+              <a:rPr kumimoji="1" lang="en-US" altLang="ja-JP" dirty="0"/>
+              <a:t>(b)</a:t>
+            </a:r>
+            <a:r>
+              <a:rPr kumimoji="1" lang="ja-JP" altLang="en-US" dirty="0"/>
+              <a:t>　</a:t>
+            </a:r>
+            <a:r>
+              <a:rPr kumimoji="1" lang="en-US" altLang="ja-JP" dirty="0"/>
+              <a:t>10</a:t>
+            </a:r>
+            <a:r>
+              <a:rPr kumimoji="1" lang="ja-JP" altLang="en-US" dirty="0"/>
+              <a:t>周期歪補償量子井戸</a:t>
+            </a:r>
+          </a:p>
+        </p:txBody>
+      </p:sp>
+    </p:spTree>
+    <p:extLst>
+      <p:ext uri="{BB962C8B-B14F-4D97-AF65-F5344CB8AC3E}">
+        <p14:creationId xmlns:p14="http://schemas.microsoft.com/office/powerpoint/2010/main" val="4145094540"/>
+      </p:ext>
+    </p:extLst>
+  </p:cSld>
+  <p:clrMapOvr>
+    <a:masterClrMapping/>
+  </p:clrMapOvr>
+</p:sld>
+</file>
+
+<file path=ppt/slides/slide5.xml><?xml version="1.0" encoding="utf-8"?>
+<p:sld xmlns:a="http://schemas.openxmlformats.org/drawingml/2006/main" xmlns:r="http://schemas.openxmlformats.org/officeDocument/2006/relationships" xmlns:p="http://schemas.openxmlformats.org/presentationml/2006/main">
+  <p:cSld>
+    <p:spTree>
+      <p:nvGrpSpPr>
+        <p:cNvPr id="1" name=""/>
+        <p:cNvGrpSpPr/>
+        <p:nvPr/>
+      </p:nvGrpSpPr>
+      <p:grpSpPr>
+        <a:xfrm>
+          <a:off x="0" y="0"/>
+          <a:ext cx="0" cy="0"/>
+          <a:chOff x="0" y="0"/>
+          <a:chExt cx="0" cy="0"/>
+        </a:xfrm>
+      </p:grpSpPr>
+      <p:sp>
+        <p:nvSpPr>
+          <p:cNvPr id="4" name="スライド番号プレースホルダー 3">
+            <a:extLst>
+              <a:ext uri="{FF2B5EF4-FFF2-40B4-BE49-F238E27FC236}">
+                <a16:creationId xmlns:a16="http://schemas.microsoft.com/office/drawing/2014/main" id="{24FE55C4-C546-4CEE-BC16-6077B3348872}"/>
+              </a:ext>
+            </a:extLst>
+          </p:cNvPr>
+          <p:cNvSpPr>
+            <a:spLocks noGrp="1"/>
+          </p:cNvSpPr>
+          <p:nvPr>
+            <p:ph type="sldNum" sz="quarter" idx="12"/>
+          </p:nvPr>
+        </p:nvSpPr>
+        <p:spPr/>
+        <p:txBody>
+          <a:bodyPr/>
+          <a:lstStyle/>
+          <a:p>
+            <a:fld id="{B1CF0B90-4240-4ABE-BCFA-150BA8095602}" type="slidenum">
+              <a:rPr kumimoji="1" lang="ja-JP" altLang="en-US" smtClean="0"/>
+              <a:t>5</a:t>
+            </a:fld>
+            <a:endParaRPr kumimoji="1" lang="ja-JP" altLang="en-US"/>
+          </a:p>
+        </p:txBody>
+      </p:sp>
+      <p:sp>
+        <p:nvSpPr>
+          <p:cNvPr id="5" name="正方形/長方形 4">
+            <a:extLst>
+              <a:ext uri="{FF2B5EF4-FFF2-40B4-BE49-F238E27FC236}">
+                <a16:creationId xmlns:a16="http://schemas.microsoft.com/office/drawing/2014/main" id="{CD8C4D11-73B0-4630-B829-46321654BECE}"/>
+              </a:ext>
+            </a:extLst>
+          </p:cNvPr>
+          <p:cNvSpPr/>
+          <p:nvPr/>
+        </p:nvSpPr>
+        <p:spPr>
+          <a:xfrm>
+            <a:off x="1251284" y="753525"/>
+            <a:ext cx="4572000" cy="923330"/>
+          </a:xfrm>
+          <a:prstGeom prst="rect">
+            <a:avLst/>
+          </a:prstGeom>
+        </p:spPr>
+        <p:txBody>
+          <a:bodyPr>
+            <a:spAutoFit/>
+          </a:bodyPr>
+          <a:lstStyle/>
+          <a:p>
+            <a:r>
+              <a:rPr lang="ja-JP" altLang="en-US" dirty="0"/>
+              <a:t> 係数値 ±標準偏差</a:t>
+            </a:r>
+          </a:p>
+          <a:p>
+            <a:r>
+              <a:rPr lang="ja-JP" altLang="en-US" dirty="0"/>
+              <a:t>  	sigma	=167.03 ｱ 3.4</a:t>
+            </a:r>
+          </a:p>
+          <a:p>
+            <a:r>
+              <a:rPr lang="ja-JP" altLang="en-US" dirty="0"/>
+              <a:t>  	J    	=0.0056643 ｱ 0.000157</a:t>
+            </a:r>
+          </a:p>
+        </p:txBody>
+      </p:sp>
+      <p:sp>
+        <p:nvSpPr>
+          <p:cNvPr id="6" name="テキスト ボックス 5">
+            <a:extLst>
+              <a:ext uri="{FF2B5EF4-FFF2-40B4-BE49-F238E27FC236}">
+                <a16:creationId xmlns:a16="http://schemas.microsoft.com/office/drawing/2014/main" id="{8064EF19-211A-401B-9C40-C39694224F00}"/>
+              </a:ext>
+            </a:extLst>
+          </p:cNvPr>
+          <p:cNvSpPr txBox="1"/>
+          <p:nvPr/>
+        </p:nvSpPr>
+        <p:spPr>
+          <a:xfrm>
+            <a:off x="946484" y="280737"/>
+            <a:ext cx="2374232" cy="369332"/>
+          </a:xfrm>
+          <a:prstGeom prst="rect">
+            <a:avLst/>
+          </a:prstGeom>
+          <a:noFill/>
+        </p:spPr>
+        <p:txBody>
+          <a:bodyPr wrap="square" rtlCol="0">
+            <a:spAutoFit/>
+          </a:bodyPr>
+          <a:lstStyle/>
+          <a:p>
+            <a:r>
+              <a:rPr kumimoji="1" lang="en-US" altLang="ja-JP" dirty="0"/>
+              <a:t>10QW L500um</a:t>
+            </a:r>
+            <a:endParaRPr kumimoji="1" lang="ja-JP" altLang="en-US" dirty="0"/>
+          </a:p>
+        </p:txBody>
+      </p:sp>
+      <p:sp>
+        <p:nvSpPr>
+          <p:cNvPr id="7" name="正方形/長方形 6">
+            <a:extLst>
+              <a:ext uri="{FF2B5EF4-FFF2-40B4-BE49-F238E27FC236}">
+                <a16:creationId xmlns:a16="http://schemas.microsoft.com/office/drawing/2014/main" id="{D754FC8F-C8EB-4BF1-8146-D3D0D6C5CFDD}"/>
+              </a:ext>
+            </a:extLst>
+          </p:cNvPr>
+          <p:cNvSpPr/>
+          <p:nvPr/>
+        </p:nvSpPr>
+        <p:spPr>
+          <a:xfrm>
+            <a:off x="946484" y="2505670"/>
+            <a:ext cx="4572000" cy="923330"/>
+          </a:xfrm>
+          <a:prstGeom prst="rect">
+            <a:avLst/>
+          </a:prstGeom>
+        </p:spPr>
+        <p:txBody>
+          <a:bodyPr>
+            <a:spAutoFit/>
+          </a:bodyPr>
+          <a:lstStyle/>
+          <a:p>
+            <a:r>
+              <a:rPr lang="ja-JP" altLang="en-US" dirty="0"/>
+              <a:t> 係数値 ±標準偏差</a:t>
+            </a:r>
+          </a:p>
+          <a:p>
+            <a:r>
+              <a:rPr lang="ja-JP" altLang="en-US" dirty="0"/>
+              <a:t>  	sigma	=300.72 ｱ 14.7</a:t>
+            </a:r>
+          </a:p>
+          <a:p>
+            <a:r>
+              <a:rPr lang="ja-JP" altLang="en-US" dirty="0"/>
+              <a:t>  	J    	=0.0047546 ｱ 0.00035</a:t>
+            </a:r>
+          </a:p>
+        </p:txBody>
+      </p:sp>
+      <p:sp>
+        <p:nvSpPr>
+          <p:cNvPr id="8" name="テキスト ボックス 7">
+            <a:extLst>
+              <a:ext uri="{FF2B5EF4-FFF2-40B4-BE49-F238E27FC236}">
+                <a16:creationId xmlns:a16="http://schemas.microsoft.com/office/drawing/2014/main" id="{F8AAF658-60FF-41BF-916F-FDD4B469119F}"/>
+              </a:ext>
+            </a:extLst>
+          </p:cNvPr>
+          <p:cNvSpPr txBox="1"/>
+          <p:nvPr/>
+        </p:nvSpPr>
+        <p:spPr>
+          <a:xfrm>
+            <a:off x="794084" y="2037348"/>
+            <a:ext cx="2374232" cy="369332"/>
+          </a:xfrm>
+          <a:prstGeom prst="rect">
+            <a:avLst/>
+          </a:prstGeom>
+          <a:noFill/>
+        </p:spPr>
+        <p:txBody>
+          <a:bodyPr wrap="square" rtlCol="0">
+            <a:spAutoFit/>
+          </a:bodyPr>
+          <a:lstStyle/>
+          <a:p>
+            <a:r>
+              <a:rPr kumimoji="1" lang="en-US" altLang="ja-JP" dirty="0"/>
+              <a:t>10QW L1000um</a:t>
+            </a:r>
+            <a:endParaRPr kumimoji="1" lang="ja-JP" altLang="en-US" dirty="0"/>
+          </a:p>
+        </p:txBody>
+      </p:sp>
+      <p:sp>
+        <p:nvSpPr>
+          <p:cNvPr id="9" name="正方形/長方形 8">
+            <a:extLst>
+              <a:ext uri="{FF2B5EF4-FFF2-40B4-BE49-F238E27FC236}">
+                <a16:creationId xmlns:a16="http://schemas.microsoft.com/office/drawing/2014/main" id="{1AD27289-A8D4-42ED-B86A-1A3D010C6D64}"/>
+              </a:ext>
+            </a:extLst>
+          </p:cNvPr>
+          <p:cNvSpPr/>
+          <p:nvPr/>
+        </p:nvSpPr>
+        <p:spPr>
+          <a:xfrm>
+            <a:off x="794084" y="4395082"/>
+            <a:ext cx="4572000" cy="923330"/>
+          </a:xfrm>
+          <a:prstGeom prst="rect">
+            <a:avLst/>
+          </a:prstGeom>
+        </p:spPr>
+        <p:txBody>
+          <a:bodyPr>
+            <a:spAutoFit/>
+          </a:bodyPr>
+          <a:lstStyle/>
+          <a:p>
+            <a:r>
+              <a:rPr lang="ja-JP" altLang="en-US" dirty="0"/>
+              <a:t> 係数値 ±標準偏差</a:t>
+            </a:r>
+          </a:p>
+          <a:p>
+            <a:r>
+              <a:rPr lang="ja-JP" altLang="en-US" dirty="0"/>
+              <a:t>  	sigma	=362.39 ｱ 1.#J</a:t>
+            </a:r>
+          </a:p>
+          <a:p>
+            <a:r>
+              <a:rPr lang="ja-JP" altLang="en-US" dirty="0"/>
+              <a:t>  	J    	=0.0057657 ｱ 1.#J</a:t>
+            </a:r>
+          </a:p>
+        </p:txBody>
+      </p:sp>
+      <p:sp>
+        <p:nvSpPr>
+          <p:cNvPr id="10" name="テキスト ボックス 9">
+            <a:extLst>
+              <a:ext uri="{FF2B5EF4-FFF2-40B4-BE49-F238E27FC236}">
+                <a16:creationId xmlns:a16="http://schemas.microsoft.com/office/drawing/2014/main" id="{930756D6-3D42-43EF-9101-012125D10CA6}"/>
+              </a:ext>
+            </a:extLst>
+          </p:cNvPr>
+          <p:cNvSpPr txBox="1"/>
+          <p:nvPr/>
+        </p:nvSpPr>
+        <p:spPr>
+          <a:xfrm>
+            <a:off x="858252" y="3988746"/>
+            <a:ext cx="2374232" cy="369332"/>
+          </a:xfrm>
+          <a:prstGeom prst="rect">
+            <a:avLst/>
+          </a:prstGeom>
+          <a:noFill/>
+        </p:spPr>
+        <p:txBody>
+          <a:bodyPr wrap="square" rtlCol="0">
+            <a:spAutoFit/>
+          </a:bodyPr>
+          <a:lstStyle/>
+          <a:p>
+            <a:r>
+              <a:rPr kumimoji="1" lang="en-US" altLang="ja-JP" dirty="0"/>
+              <a:t>10QW L2000um</a:t>
+            </a:r>
+            <a:endParaRPr kumimoji="1" lang="ja-JP" altLang="en-US" dirty="0"/>
+          </a:p>
+        </p:txBody>
+      </p:sp>
+    </p:spTree>
+    <p:extLst>
+      <p:ext uri="{BB962C8B-B14F-4D97-AF65-F5344CB8AC3E}">
+        <p14:creationId xmlns:p14="http://schemas.microsoft.com/office/powerpoint/2010/main" val="887058073"/>
+      </p:ext>
+    </p:extLst>
+  </p:cSld>
+  <p:clrMapOvr>
+    <a:masterClrMapping/>
+  </p:clrMapOvr>
+</p:sld>
+</file>
+
+<file path=ppt/slides/slide6.xml><?xml version="1.0" encoding="utf-8"?>
+<p:sld xmlns:a="http://schemas.openxmlformats.org/drawingml/2006/main" xmlns:r="http://schemas.openxmlformats.org/officeDocument/2006/relationships" xmlns:p="http://schemas.openxmlformats.org/presentationml/2006/main">
+  <p:cSld>
+    <p:spTree>
+      <p:nvGrpSpPr>
+        <p:cNvPr id="1" name=""/>
+        <p:cNvGrpSpPr/>
+        <p:nvPr/>
+      </p:nvGrpSpPr>
+      <p:grpSpPr>
+        <a:xfrm>
+          <a:off x="0" y="0"/>
+          <a:ext cx="0" cy="0"/>
+          <a:chOff x="0" y="0"/>
+          <a:chExt cx="0" cy="0"/>
+        </a:xfrm>
+      </p:grpSpPr>
+      <p:sp>
+        <p:nvSpPr>
+          <p:cNvPr id="4" name="スライド番号プレースホルダー 3">
+            <a:extLst>
+              <a:ext uri="{FF2B5EF4-FFF2-40B4-BE49-F238E27FC236}">
+                <a16:creationId xmlns:a16="http://schemas.microsoft.com/office/drawing/2014/main" id="{2F9B3875-FFCB-415C-9D34-414AC77C6821}"/>
+              </a:ext>
+            </a:extLst>
+          </p:cNvPr>
+          <p:cNvSpPr>
+            <a:spLocks noGrp="1"/>
+          </p:cNvSpPr>
+          <p:nvPr>
+            <p:ph type="sldNum" sz="quarter" idx="12"/>
+          </p:nvPr>
+        </p:nvSpPr>
+        <p:spPr/>
+        <p:txBody>
+          <a:bodyPr/>
+          <a:lstStyle/>
+          <a:p>
+            <a:fld id="{B1CF0B90-4240-4ABE-BCFA-150BA8095602}" type="slidenum">
+              <a:rPr kumimoji="1" lang="ja-JP" altLang="en-US" smtClean="0"/>
+              <a:t>6</a:t>
+            </a:fld>
+            <a:endParaRPr kumimoji="1" lang="ja-JP" altLang="en-US"/>
+          </a:p>
+        </p:txBody>
+      </p:sp>
+      <p:pic>
+        <p:nvPicPr>
+          <p:cNvPr id="5" name="図 4">
+            <a:extLst>
+              <a:ext uri="{FF2B5EF4-FFF2-40B4-BE49-F238E27FC236}">
+                <a16:creationId xmlns:a16="http://schemas.microsoft.com/office/drawing/2014/main" id="{32575127-51A9-42BA-B055-C6EA7D911BBB}"/>
+              </a:ext>
+            </a:extLst>
+          </p:cNvPr>
+          <p:cNvPicPr>
+            <a:picLocks noChangeAspect="1"/>
+          </p:cNvPicPr>
+          <p:nvPr/>
+        </p:nvPicPr>
+        <p:blipFill>
+          <a:blip r:embed="rId2"/>
+          <a:stretch>
+            <a:fillRect/>
+          </a:stretch>
+        </p:blipFill>
+        <p:spPr>
+          <a:xfrm>
+            <a:off x="4019042" y="1773722"/>
+            <a:ext cx="4877815" cy="3551187"/>
+          </a:xfrm>
+          <a:prstGeom prst="rect">
+            <a:avLst/>
+          </a:prstGeom>
+        </p:spPr>
+      </p:pic>
+    </p:spTree>
+    <p:extLst>
+      <p:ext uri="{BB962C8B-B14F-4D97-AF65-F5344CB8AC3E}">
+        <p14:creationId xmlns:p14="http://schemas.microsoft.com/office/powerpoint/2010/main" val="241789513"/>
+      </p:ext>
+    </p:extLst>
+  </p:cSld>
+  <p:clrMapOvr>
+    <a:masterClrMapping/>
+  </p:clrMapOvr>
+</p:sld>
+</file>
+
 <file path=ppt/theme/theme1.xml><?xml version="1.0" encoding="utf-8"?>
 <a:theme xmlns:a="http://schemas.openxmlformats.org/drawingml/2006/main" name="Office テーマ">
   <a:themeElements>
